--- a/Seminarski rad III/Cluster rešenja kod MariaDB baze podataka.pptx
+++ b/Seminarski rad III/Cluster rešenja kod MariaDB baze podataka.pptx
@@ -10921,7 +10921,15 @@
             </a:pPr>
             <a:r>
               <a:rPr lang="sr-Latn-RS"/>
-              <a:t>Cluster rešenja kod MAriaDB baze podataka</a:t>
+              <a:t>Cluster rešenja kod M</a:t>
+            </a:r>
+            <a:r>
+              <a:rPr lang="en-US"/>
+              <a:t>a</a:t>
+            </a:r>
+            <a:r>
+              <a:rPr lang="sr-Latn-RS"/>
+              <a:t>riaDB baze podataka</a:t>
             </a:r>
           </a:p>
         </p:txBody>
@@ -11162,6 +11170,318 @@
           </a:prstGeom>
         </p:spPr>
       </p:pic>
+      <p:sp>
+        <p:nvSpPr>
+          <p:cNvPr id="2" name="Rectangle 1">
+            <a:extLst>
+              <a:ext uri="{FF2B5EF4-FFF2-40B4-BE49-F238E27FC236}">
+                <a16:creationId xmlns:a16="http://schemas.microsoft.com/office/drawing/2014/main" id="{A76C4E4A-FF08-34F8-168E-00FB4FB427CF}"/>
+              </a:ext>
+            </a:extLst>
+          </p:cNvPr>
+          <p:cNvSpPr/>
+          <p:nvPr/>
+        </p:nvSpPr>
+        <p:spPr>
+          <a:xfrm>
+            <a:off x="0" y="360000"/>
+            <a:ext cx="1371600" cy="914400"/>
+          </a:xfrm>
+          <a:prstGeom prst="rect">
+            <a:avLst/>
+          </a:prstGeom>
+          <a:noFill/>
+          <a:ln w="12700">
+            <a:solidFill>
+              <a:srgbClr val="FCA604"/>
+            </a:solidFill>
+          </a:ln>
+        </p:spPr>
+        <p:style>
+          <a:lnRef idx="2">
+            <a:schemeClr val="accent1">
+              <a:shade val="15000"/>
+            </a:schemeClr>
+          </a:lnRef>
+          <a:fillRef idx="1">
+            <a:schemeClr val="accent1"/>
+          </a:fillRef>
+          <a:effectRef idx="0">
+            <a:schemeClr val="accent1"/>
+          </a:effectRef>
+          <a:fontRef idx="minor">
+            <a:schemeClr val="lt1"/>
+          </a:fontRef>
+        </p:style>
+        <p:txBody>
+          <a:bodyPr rtlCol="0" anchor="ctr"/>
+          <a:lstStyle/>
+          <a:p>
+            <a:pPr algn="ctr"/>
+            <a:endParaRPr lang="en-US"/>
+          </a:p>
+        </p:txBody>
+      </p:sp>
+      <p:sp>
+        <p:nvSpPr>
+          <p:cNvPr id="3" name="Rectangle 2">
+            <a:extLst>
+              <a:ext uri="{FF2B5EF4-FFF2-40B4-BE49-F238E27FC236}">
+                <a16:creationId xmlns:a16="http://schemas.microsoft.com/office/drawing/2014/main" id="{55A2D438-DF3D-81CE-CFF3-C6BC95430C8D}"/>
+              </a:ext>
+            </a:extLst>
+          </p:cNvPr>
+          <p:cNvSpPr/>
+          <p:nvPr/>
+        </p:nvSpPr>
+        <p:spPr>
+          <a:xfrm>
+            <a:off x="4227600" y="373162"/>
+            <a:ext cx="1438800" cy="1124712"/>
+          </a:xfrm>
+          <a:prstGeom prst="rect">
+            <a:avLst/>
+          </a:prstGeom>
+          <a:noFill/>
+          <a:ln w="12700">
+            <a:solidFill>
+              <a:srgbClr val="FCA604"/>
+            </a:solidFill>
+          </a:ln>
+        </p:spPr>
+        <p:style>
+          <a:lnRef idx="2">
+            <a:schemeClr val="accent1">
+              <a:shade val="15000"/>
+            </a:schemeClr>
+          </a:lnRef>
+          <a:fillRef idx="1">
+            <a:schemeClr val="accent1"/>
+          </a:fillRef>
+          <a:effectRef idx="0">
+            <a:schemeClr val="accent1"/>
+          </a:effectRef>
+          <a:fontRef idx="minor">
+            <a:schemeClr val="lt1"/>
+          </a:fontRef>
+        </p:style>
+        <p:txBody>
+          <a:bodyPr rtlCol="0" anchor="ctr"/>
+          <a:lstStyle/>
+          <a:p>
+            <a:pPr algn="ctr"/>
+            <a:endParaRPr lang="en-US"/>
+          </a:p>
+        </p:txBody>
+      </p:sp>
+      <p:sp>
+        <p:nvSpPr>
+          <p:cNvPr id="5" name="Rectangle 4">
+            <a:extLst>
+              <a:ext uri="{FF2B5EF4-FFF2-40B4-BE49-F238E27FC236}">
+                <a16:creationId xmlns:a16="http://schemas.microsoft.com/office/drawing/2014/main" id="{AAC477BB-A1D9-9C5C-04E4-F44A92A5F0EC}"/>
+              </a:ext>
+            </a:extLst>
+          </p:cNvPr>
+          <p:cNvSpPr/>
+          <p:nvPr/>
+        </p:nvSpPr>
+        <p:spPr>
+          <a:xfrm>
+            <a:off x="4227600" y="2735961"/>
+            <a:ext cx="1438800" cy="1124711"/>
+          </a:xfrm>
+          <a:prstGeom prst="rect">
+            <a:avLst/>
+          </a:prstGeom>
+          <a:noFill/>
+          <a:ln w="12700">
+            <a:solidFill>
+              <a:srgbClr val="FCA604"/>
+            </a:solidFill>
+          </a:ln>
+        </p:spPr>
+        <p:style>
+          <a:lnRef idx="2">
+            <a:schemeClr val="accent1">
+              <a:shade val="15000"/>
+            </a:schemeClr>
+          </a:lnRef>
+          <a:fillRef idx="1">
+            <a:schemeClr val="accent1"/>
+          </a:fillRef>
+          <a:effectRef idx="0">
+            <a:schemeClr val="accent1"/>
+          </a:effectRef>
+          <a:fontRef idx="minor">
+            <a:schemeClr val="lt1"/>
+          </a:fontRef>
+        </p:style>
+        <p:txBody>
+          <a:bodyPr rtlCol="0" anchor="ctr"/>
+          <a:lstStyle/>
+          <a:p>
+            <a:pPr algn="ctr"/>
+            <a:endParaRPr lang="en-US"/>
+          </a:p>
+        </p:txBody>
+      </p:sp>
+      <p:sp>
+        <p:nvSpPr>
+          <p:cNvPr id="6" name="Rectangle 5">
+            <a:extLst>
+              <a:ext uri="{FF2B5EF4-FFF2-40B4-BE49-F238E27FC236}">
+                <a16:creationId xmlns:a16="http://schemas.microsoft.com/office/drawing/2014/main" id="{3E272DD4-FD4E-349C-7833-8DE88777B276}"/>
+              </a:ext>
+            </a:extLst>
+          </p:cNvPr>
+          <p:cNvSpPr/>
+          <p:nvPr/>
+        </p:nvSpPr>
+        <p:spPr>
+          <a:xfrm>
+            <a:off x="0" y="1324800"/>
+            <a:ext cx="2664000" cy="2044800"/>
+          </a:xfrm>
+          <a:prstGeom prst="rect">
+            <a:avLst/>
+          </a:prstGeom>
+          <a:noFill/>
+          <a:ln w="12700">
+            <a:solidFill>
+              <a:srgbClr val="FF0000"/>
+            </a:solidFill>
+          </a:ln>
+        </p:spPr>
+        <p:style>
+          <a:lnRef idx="2">
+            <a:schemeClr val="accent1">
+              <a:shade val="15000"/>
+            </a:schemeClr>
+          </a:lnRef>
+          <a:fillRef idx="1">
+            <a:schemeClr val="accent1"/>
+          </a:fillRef>
+          <a:effectRef idx="0">
+            <a:schemeClr val="accent1"/>
+          </a:effectRef>
+          <a:fontRef idx="minor">
+            <a:schemeClr val="lt1"/>
+          </a:fontRef>
+        </p:style>
+        <p:txBody>
+          <a:bodyPr rtlCol="0" anchor="ctr"/>
+          <a:lstStyle/>
+          <a:p>
+            <a:pPr algn="ctr"/>
+            <a:endParaRPr lang="en-US"/>
+          </a:p>
+        </p:txBody>
+      </p:sp>
+      <p:sp>
+        <p:nvSpPr>
+          <p:cNvPr id="8" name="Rectangle 7">
+            <a:extLst>
+              <a:ext uri="{FF2B5EF4-FFF2-40B4-BE49-F238E27FC236}">
+                <a16:creationId xmlns:a16="http://schemas.microsoft.com/office/drawing/2014/main" id="{BFB2F167-2C7C-0700-D145-54110869BAD8}"/>
+              </a:ext>
+            </a:extLst>
+          </p:cNvPr>
+          <p:cNvSpPr/>
+          <p:nvPr/>
+        </p:nvSpPr>
+        <p:spPr>
+          <a:xfrm>
+            <a:off x="4249200" y="1530070"/>
+            <a:ext cx="1438800" cy="731520"/>
+          </a:xfrm>
+          <a:prstGeom prst="rect">
+            <a:avLst/>
+          </a:prstGeom>
+          <a:noFill/>
+          <a:ln w="12700">
+            <a:solidFill>
+              <a:srgbClr val="FF0000"/>
+            </a:solidFill>
+          </a:ln>
+        </p:spPr>
+        <p:style>
+          <a:lnRef idx="2">
+            <a:schemeClr val="accent1">
+              <a:shade val="15000"/>
+            </a:schemeClr>
+          </a:lnRef>
+          <a:fillRef idx="1">
+            <a:schemeClr val="accent1"/>
+          </a:fillRef>
+          <a:effectRef idx="0">
+            <a:schemeClr val="accent1"/>
+          </a:effectRef>
+          <a:fontRef idx="minor">
+            <a:schemeClr val="lt1"/>
+          </a:fontRef>
+        </p:style>
+        <p:txBody>
+          <a:bodyPr rtlCol="0" anchor="ctr"/>
+          <a:lstStyle/>
+          <a:p>
+            <a:pPr algn="ctr"/>
+            <a:endParaRPr lang="en-US"/>
+          </a:p>
+        </p:txBody>
+      </p:sp>
+      <p:sp>
+        <p:nvSpPr>
+          <p:cNvPr id="10" name="Rectangle 9">
+            <a:extLst>
+              <a:ext uri="{FF2B5EF4-FFF2-40B4-BE49-F238E27FC236}">
+                <a16:creationId xmlns:a16="http://schemas.microsoft.com/office/drawing/2014/main" id="{9DDDB5D9-22E3-713C-E8BC-184E7FF381AD}"/>
+              </a:ext>
+            </a:extLst>
+          </p:cNvPr>
+          <p:cNvSpPr/>
+          <p:nvPr/>
+        </p:nvSpPr>
+        <p:spPr>
+          <a:xfrm>
+            <a:off x="4243200" y="3896337"/>
+            <a:ext cx="1444800" cy="731520"/>
+          </a:xfrm>
+          <a:prstGeom prst="rect">
+            <a:avLst/>
+          </a:prstGeom>
+          <a:noFill/>
+          <a:ln w="12700">
+            <a:solidFill>
+              <a:srgbClr val="FF0000"/>
+            </a:solidFill>
+          </a:ln>
+        </p:spPr>
+        <p:style>
+          <a:lnRef idx="2">
+            <a:schemeClr val="accent1">
+              <a:shade val="15000"/>
+            </a:schemeClr>
+          </a:lnRef>
+          <a:fillRef idx="1">
+            <a:schemeClr val="accent1"/>
+          </a:fillRef>
+          <a:effectRef idx="0">
+            <a:schemeClr val="accent1"/>
+          </a:effectRef>
+          <a:fontRef idx="minor">
+            <a:schemeClr val="lt1"/>
+          </a:fontRef>
+        </p:style>
+        <p:txBody>
+          <a:bodyPr rtlCol="0" anchor="ctr"/>
+          <a:lstStyle/>
+          <a:p>
+            <a:pPr algn="ctr"/>
+            <a:endParaRPr lang="en-US"/>
+          </a:p>
+        </p:txBody>
+      </p:sp>
     </p:spTree>
     <p:extLst>
       <p:ext uri="{BB962C8B-B14F-4D97-AF65-F5344CB8AC3E}">
@@ -25398,7 +25718,7 @@
         </p:nvSpPr>
         <p:spPr>
           <a:xfrm>
-            <a:off x="4132165" y="4629192"/>
+            <a:off x="4132165" y="4420392"/>
             <a:ext cx="4533900" cy="523220"/>
           </a:xfrm>
           <a:prstGeom prst="rect">
@@ -29704,119 +30024,6 @@
             </a:pPr>
             <a:r>
               <a:rPr lang="en-US" sz="1100" kern="100">
-                <a:latin typeface="Archivo" panose="020B0604020202020204" charset="0"/>
-                <a:ea typeface="Calibri" panose="020F0502020204030204" pitchFamily="34" charset="0"/>
-                <a:cs typeface="Archivo" panose="020B0604020202020204" charset="0"/>
-              </a:rPr>
-              <a:t>Proverite sledeće varijable:</a:t>
-            </a:r>
-          </a:p>
-          <a:p>
-            <a:pPr marL="171450" marR="0" indent="-171450">
-              <a:lnSpc>
-                <a:spcPct val="107000"/>
-              </a:lnSpc>
-              <a:spcBef>
-                <a:spcPts val="0"/>
-              </a:spcBef>
-              <a:spcAft>
-                <a:spcPts val="800"/>
-              </a:spcAft>
-              <a:buFont typeface="Arial" panose="020B0604020202020204" pitchFamily="34" charset="0"/>
-              <a:buChar char="•"/>
-            </a:pPr>
-            <a:r>
-              <a:rPr lang="en-US" sz="1100" kern="100">
-                <a:latin typeface="Archivo" panose="020B0604020202020204" charset="0"/>
-                <a:ea typeface="Calibri" panose="020F0502020204030204" pitchFamily="34" charset="0"/>
-                <a:cs typeface="Archivo" panose="020B0604020202020204" charset="0"/>
-              </a:rPr>
-              <a:t>wsrep_ready</a:t>
-            </a:r>
-          </a:p>
-          <a:p>
-            <a:pPr marL="171450" marR="0" indent="-171450">
-              <a:lnSpc>
-                <a:spcPct val="107000"/>
-              </a:lnSpc>
-              <a:spcBef>
-                <a:spcPts val="0"/>
-              </a:spcBef>
-              <a:spcAft>
-                <a:spcPts val="800"/>
-              </a:spcAft>
-              <a:buFont typeface="Arial" panose="020B0604020202020204" pitchFamily="34" charset="0"/>
-              <a:buChar char="•"/>
-            </a:pPr>
-            <a:r>
-              <a:rPr lang="en-US" sz="1100" kern="100">
-                <a:latin typeface="Archivo" panose="020B0604020202020204" charset="0"/>
-                <a:ea typeface="Calibri" panose="020F0502020204030204" pitchFamily="34" charset="0"/>
-                <a:cs typeface="Archivo" panose="020B0604020202020204" charset="0"/>
-              </a:rPr>
-              <a:t>wsrep_connected</a:t>
-            </a:r>
-          </a:p>
-          <a:p>
-            <a:pPr marL="171450" marR="0" indent="-171450">
-              <a:lnSpc>
-                <a:spcPct val="107000"/>
-              </a:lnSpc>
-              <a:spcBef>
-                <a:spcPts val="0"/>
-              </a:spcBef>
-              <a:spcAft>
-                <a:spcPts val="800"/>
-              </a:spcAft>
-              <a:buFont typeface="Arial" panose="020B0604020202020204" pitchFamily="34" charset="0"/>
-              <a:buChar char="•"/>
-            </a:pPr>
-            <a:r>
-              <a:rPr lang="en-US" sz="1100" kern="100">
-                <a:latin typeface="Archivo" panose="020B0604020202020204" charset="0"/>
-                <a:ea typeface="Calibri" panose="020F0502020204030204" pitchFamily="34" charset="0"/>
-                <a:cs typeface="Archivo" panose="020B0604020202020204" charset="0"/>
-              </a:rPr>
-              <a:t>wsrep_cluster_status</a:t>
-            </a:r>
-          </a:p>
-          <a:p>
-            <a:pPr marL="171450" marR="0" indent="-171450">
-              <a:lnSpc>
-                <a:spcPct val="107000"/>
-              </a:lnSpc>
-              <a:spcBef>
-                <a:spcPts val="0"/>
-              </a:spcBef>
-              <a:spcAft>
-                <a:spcPts val="800"/>
-              </a:spcAft>
-              <a:buFont typeface="Arial" panose="020B0604020202020204" pitchFamily="34" charset="0"/>
-              <a:buChar char="•"/>
-            </a:pPr>
-            <a:r>
-              <a:rPr lang="en-US" sz="1100" kern="100">
-                <a:latin typeface="Archivo" panose="020B0604020202020204" charset="0"/>
-                <a:ea typeface="Calibri" panose="020F0502020204030204" pitchFamily="34" charset="0"/>
-                <a:cs typeface="Archivo" panose="020B0604020202020204" charset="0"/>
-              </a:rPr>
-              <a:t>wsrep_cluster_size</a:t>
-            </a:r>
-          </a:p>
-          <a:p>
-            <a:pPr marL="0" marR="0" algn="just">
-              <a:lnSpc>
-                <a:spcPct val="107000"/>
-              </a:lnSpc>
-              <a:spcBef>
-                <a:spcPts val="0"/>
-              </a:spcBef>
-              <a:spcAft>
-                <a:spcPts val="800"/>
-              </a:spcAft>
-            </a:pPr>
-            <a:r>
-              <a:rPr lang="en-US" sz="1100" kern="100">
                 <a:effectLst/>
                 <a:latin typeface="Archivo" panose="020B0604020202020204" charset="0"/>
                 <a:ea typeface="Calibri" panose="020F0502020204030204" pitchFamily="34" charset="0"/>
@@ -30593,6 +30800,138 @@
               </a:rPr>
               <a:t>Ova komanda omogućava interaktivno povezivanje sa MySQL ili MariaDB serverom koji se pokreće unutar Docker kontejnera mariadb-galera-0. </a:t>
             </a:r>
+          </a:p>
+          <a:p>
+            <a:pPr marL="0" marR="0" algn="just">
+              <a:lnSpc>
+                <a:spcPct val="107000"/>
+              </a:lnSpc>
+              <a:spcBef>
+                <a:spcPts val="0"/>
+              </a:spcBef>
+              <a:spcAft>
+                <a:spcPts val="800"/>
+              </a:spcAft>
+            </a:pPr>
+            <a:r>
+              <a:rPr lang="en-US" sz="1100" kern="100">
+                <a:latin typeface="Archivo" panose="020B0604020202020204" charset="0"/>
+                <a:ea typeface="Calibri" panose="020F0502020204030204" pitchFamily="34" charset="0"/>
+                <a:cs typeface="Archivo" panose="020B0604020202020204" charset="0"/>
+              </a:rPr>
+              <a:t>Neke od varijabli:</a:t>
+            </a:r>
+          </a:p>
+          <a:p>
+            <a:pPr marL="171450" marR="0" indent="-171450">
+              <a:lnSpc>
+                <a:spcPct val="107000"/>
+              </a:lnSpc>
+              <a:spcBef>
+                <a:spcPts val="0"/>
+              </a:spcBef>
+              <a:spcAft>
+                <a:spcPts val="800"/>
+              </a:spcAft>
+              <a:buFont typeface="Arial" panose="020B0604020202020204" pitchFamily="34" charset="0"/>
+              <a:buChar char="•"/>
+            </a:pPr>
+            <a:r>
+              <a:rPr lang="en-US" sz="1100" kern="100">
+                <a:latin typeface="Archivo" panose="020B0604020202020204" charset="0"/>
+                <a:ea typeface="Calibri" panose="020F0502020204030204" pitchFamily="34" charset="0"/>
+                <a:cs typeface="Archivo" panose="020B0604020202020204" charset="0"/>
+              </a:rPr>
+              <a:t>wsrep_ready</a:t>
+            </a:r>
+          </a:p>
+          <a:p>
+            <a:pPr marL="171450" marR="0" indent="-171450">
+              <a:lnSpc>
+                <a:spcPct val="107000"/>
+              </a:lnSpc>
+              <a:spcBef>
+                <a:spcPts val="0"/>
+              </a:spcBef>
+              <a:spcAft>
+                <a:spcPts val="800"/>
+              </a:spcAft>
+              <a:buFont typeface="Arial" panose="020B0604020202020204" pitchFamily="34" charset="0"/>
+              <a:buChar char="•"/>
+            </a:pPr>
+            <a:r>
+              <a:rPr lang="en-US" sz="1100" kern="100">
+                <a:latin typeface="Archivo" panose="020B0604020202020204" charset="0"/>
+                <a:ea typeface="Calibri" panose="020F0502020204030204" pitchFamily="34" charset="0"/>
+                <a:cs typeface="Archivo" panose="020B0604020202020204" charset="0"/>
+              </a:rPr>
+              <a:t>wsrep_connected</a:t>
+            </a:r>
+          </a:p>
+          <a:p>
+            <a:pPr marL="171450" marR="0" indent="-171450">
+              <a:lnSpc>
+                <a:spcPct val="107000"/>
+              </a:lnSpc>
+              <a:spcBef>
+                <a:spcPts val="0"/>
+              </a:spcBef>
+              <a:spcAft>
+                <a:spcPts val="800"/>
+              </a:spcAft>
+              <a:buFont typeface="Arial" panose="020B0604020202020204" pitchFamily="34" charset="0"/>
+              <a:buChar char="•"/>
+            </a:pPr>
+            <a:r>
+              <a:rPr lang="en-US" sz="1100" kern="100">
+                <a:latin typeface="Archivo" panose="020B0604020202020204" charset="0"/>
+                <a:ea typeface="Calibri" panose="020F0502020204030204" pitchFamily="34" charset="0"/>
+                <a:cs typeface="Archivo" panose="020B0604020202020204" charset="0"/>
+              </a:rPr>
+              <a:t>wsrep_cluster_status</a:t>
+            </a:r>
+          </a:p>
+          <a:p>
+            <a:pPr marL="171450" marR="0" indent="-171450">
+              <a:lnSpc>
+                <a:spcPct val="107000"/>
+              </a:lnSpc>
+              <a:spcBef>
+                <a:spcPts val="0"/>
+              </a:spcBef>
+              <a:spcAft>
+                <a:spcPts val="800"/>
+              </a:spcAft>
+              <a:buFont typeface="Arial" panose="020B0604020202020204" pitchFamily="34" charset="0"/>
+              <a:buChar char="•"/>
+            </a:pPr>
+            <a:r>
+              <a:rPr lang="en-US" sz="1100" kern="100">
+                <a:latin typeface="Archivo" panose="020B0604020202020204" charset="0"/>
+                <a:ea typeface="Calibri" panose="020F0502020204030204" pitchFamily="34" charset="0"/>
+                <a:cs typeface="Archivo" panose="020B0604020202020204" charset="0"/>
+              </a:rPr>
+              <a:t>wsrep_cluster_size</a:t>
+            </a:r>
+          </a:p>
+          <a:p>
+            <a:pPr marL="0" marR="0" algn="just">
+              <a:lnSpc>
+                <a:spcPct val="107000"/>
+              </a:lnSpc>
+              <a:spcBef>
+                <a:spcPts val="0"/>
+              </a:spcBef>
+              <a:spcAft>
+                <a:spcPts val="800"/>
+              </a:spcAft>
+            </a:pPr>
+            <a:endParaRPr lang="en-US" sz="1100" kern="100">
+              <a:effectLst/>
+              <a:latin typeface="Archivo" panose="020B0604020202020204" charset="0"/>
+              <a:ea typeface="Calibri" panose="020F0502020204030204" pitchFamily="34" charset="0"/>
+              <a:cs typeface="Archivo" panose="020B0604020202020204" charset="0"/>
+            </a:endParaRPr>
           </a:p>
         </p:txBody>
       </p:sp>
